--- a/DOC/TRIM3D DOC.pptx
+++ b/DOC/TRIM3D DOC.pptx
@@ -11,6 +11,7 @@
     <p:sldId id="259" r:id="rId5"/>
     <p:sldId id="260" r:id="rId6"/>
     <p:sldId id="261" r:id="rId7"/>
+    <p:sldId id="262" r:id="rId8"/>
   </p:sldIdLst>
   <p:sldSz cx="12192000" cy="6858000"/>
   <p:notesSz cx="6858000" cy="9144000"/>
@@ -3754,6 +3755,137 @@
 </p:sld>
 </file>
 
+<file path=ppt/slides/slide7.xml><?xml version="1.0" encoding="utf-8"?>
+<p:sld xmlns:a="http://schemas.openxmlformats.org/drawingml/2006/main" xmlns:r="http://schemas.openxmlformats.org/officeDocument/2006/relationships" xmlns:p="http://schemas.openxmlformats.org/presentationml/2006/main">
+  <p:cSld>
+    <p:spTree>
+      <p:nvGrpSpPr>
+        <p:cNvPr id="1" name=""/>
+        <p:cNvGrpSpPr/>
+        <p:nvPr/>
+      </p:nvGrpSpPr>
+      <p:grpSpPr>
+        <a:xfrm>
+          <a:off x="0" y="0"/>
+          <a:ext cx="0" cy="0"/>
+          <a:chOff x="0" y="0"/>
+          <a:chExt cx="0" cy="0"/>
+        </a:xfrm>
+      </p:grpSpPr>
+      <p:sp>
+        <p:nvSpPr>
+          <p:cNvPr id="2" name="标题 1"/>
+          <p:cNvSpPr>
+            <a:spLocks noGrp="1"/>
+          </p:cNvSpPr>
+          <p:nvPr>
+            <p:ph type="title"/>
+          </p:nvPr>
+        </p:nvSpPr>
+        <p:spPr>
+          <a:xfrm>
+            <a:off x="146824" y="207638"/>
+            <a:ext cx="7725937" cy="315098"/>
+          </a:xfrm>
+        </p:spPr>
+        <p:txBody>
+          <a:bodyPr>
+            <a:noAutofit/>
+          </a:bodyPr>
+          <a:lstStyle/>
+          <a:p>
+            <a:r>
+              <a:rPr lang="en-US" altLang="zh-CN" sz="2800" dirty="0" smtClean="0"/>
+              <a:t>Atom Class</a:t>
+            </a:r>
+            <a:endParaRPr lang="zh-CN" altLang="en-US" sz="2800" dirty="0"/>
+          </a:p>
+        </p:txBody>
+      </p:sp>
+      <p:pic>
+        <p:nvPicPr>
+          <p:cNvPr id="4" name="内容占位符 3"/>
+          <p:cNvPicPr>
+            <a:picLocks noGrp="1" noChangeAspect="1"/>
+          </p:cNvPicPr>
+          <p:nvPr>
+            <p:ph idx="1"/>
+          </p:nvPr>
+        </p:nvPicPr>
+        <p:blipFill>
+          <a:blip r:embed="rId2">
+            <a:extLst>
+              <a:ext uri="{28A0092B-C50C-407E-A947-70E740481C1C}">
+                <a14:useLocalDpi xmlns:a14="http://schemas.microsoft.com/office/drawing/2010/main" val="0"/>
+              </a:ext>
+            </a:extLst>
+          </a:blip>
+          <a:stretch>
+            <a:fillRect/>
+          </a:stretch>
+        </p:blipFill>
+        <p:spPr>
+          <a:xfrm>
+            <a:off x="580791" y="1445457"/>
+            <a:ext cx="10984445" cy="5111459"/>
+          </a:xfrm>
+        </p:spPr>
+      </p:pic>
+      <p:sp>
+        <p:nvSpPr>
+          <p:cNvPr id="5" name="文本框 4"/>
+          <p:cNvSpPr txBox="1"/>
+          <p:nvPr/>
+        </p:nvSpPr>
+        <p:spPr>
+          <a:xfrm>
+            <a:off x="479502" y="602166"/>
+            <a:ext cx="8965581" cy="369332"/>
+          </a:xfrm>
+          <a:prstGeom prst="rect">
+            <a:avLst/>
+          </a:prstGeom>
+          <a:noFill/>
+        </p:spPr>
+        <p:txBody>
+          <a:bodyPr wrap="square" rtlCol="0">
+            <a:spAutoFit/>
+          </a:bodyPr>
+          <a:lstStyle/>
+          <a:p>
+            <a:r>
+              <a:rPr lang="en-US" altLang="zh-CN" dirty="0"/>
+              <a:t>d</a:t>
+            </a:r>
+            <a:r>
+              <a:rPr lang="en-US" altLang="zh-CN" dirty="0" smtClean="0"/>
+              <a:t>irect is a unity vector of direction of velocity. x is cos(angle of </a:t>
+            </a:r>
+            <a:r>
+              <a:rPr lang="en-US" altLang="zh-CN" dirty="0" err="1" smtClean="0"/>
+              <a:t>vx</a:t>
+            </a:r>
+            <a:r>
+              <a:rPr lang="en-US" altLang="zh-CN" dirty="0" smtClean="0"/>
+              <a:t> to x axis) …</a:t>
+            </a:r>
+            <a:endParaRPr lang="zh-CN" altLang="en-US" dirty="0"/>
+          </a:p>
+        </p:txBody>
+      </p:sp>
+    </p:spTree>
+    <p:extLst>
+      <p:ext uri="{BB962C8B-B14F-4D97-AF65-F5344CB8AC3E}">
+        <p14:creationId xmlns:p14="http://schemas.microsoft.com/office/powerpoint/2010/main" val="2994884319"/>
+      </p:ext>
+    </p:extLst>
+  </p:cSld>
+  <p:clrMapOvr>
+    <a:masterClrMapping/>
+  </p:clrMapOvr>
+</p:sld>
+</file>
+
 <file path=ppt/theme/theme1.xml><?xml version="1.0" encoding="utf-8"?>
 <a:theme xmlns:a="http://schemas.openxmlformats.org/drawingml/2006/main" name="Office 主题​​">
   <a:themeElements>
